--- a/logotest.pptx
+++ b/logotest.pptx
@@ -6,6 +6,7 @@
   </p:sldMasterIdLst>
   <p:sldIdLst>
     <p:sldId id="256" r:id="rId2"/>
+    <p:sldId id="257" r:id="rId3"/>
   </p:sldIdLst>
   <p:sldSz cx="12192000" cy="6858000"/>
   <p:notesSz cx="6858000" cy="9144000"/>
@@ -104,6 +105,11 @@
       </a:defRPr>
     </a:lvl9pPr>
   </p:defaultTextStyle>
+  <p:extLst>
+    <p:ext uri="{EFAFB233-063F-42B5-8137-9DF3F51BA10A}">
+      <p15:sldGuideLst xmlns:p15="http://schemas.microsoft.com/office/powerpoint/2012/main"/>
+    </p:ext>
+  </p:extLst>
 </p:presentation>
 </file>
 
@@ -254,7 +260,7 @@
           <a:p>
             <a:fld id="{F42A13DD-5EE1-4DE7-897F-0E10F30D883D}" type="datetimeFigureOut">
               <a:rPr lang="en-US" smtClean="0"/>
-              <a:t>8/6/2024</a:t>
+              <a:t>8/12/2024</a:t>
             </a:fld>
             <a:endParaRPr lang="en-US"/>
           </a:p>
@@ -452,7 +458,7 @@
           <a:p>
             <a:fld id="{F42A13DD-5EE1-4DE7-897F-0E10F30D883D}" type="datetimeFigureOut">
               <a:rPr lang="en-US" smtClean="0"/>
-              <a:t>8/6/2024</a:t>
+              <a:t>8/12/2024</a:t>
             </a:fld>
             <a:endParaRPr lang="en-US"/>
           </a:p>
@@ -660,7 +666,7 @@
           <a:p>
             <a:fld id="{F42A13DD-5EE1-4DE7-897F-0E10F30D883D}" type="datetimeFigureOut">
               <a:rPr lang="en-US" smtClean="0"/>
-              <a:t>8/6/2024</a:t>
+              <a:t>8/12/2024</a:t>
             </a:fld>
             <a:endParaRPr lang="en-US"/>
           </a:p>
@@ -858,7 +864,7 @@
           <a:p>
             <a:fld id="{F42A13DD-5EE1-4DE7-897F-0E10F30D883D}" type="datetimeFigureOut">
               <a:rPr lang="en-US" smtClean="0"/>
-              <a:t>8/6/2024</a:t>
+              <a:t>8/12/2024</a:t>
             </a:fld>
             <a:endParaRPr lang="en-US"/>
           </a:p>
@@ -1133,7 +1139,7 @@
           <a:p>
             <a:fld id="{F42A13DD-5EE1-4DE7-897F-0E10F30D883D}" type="datetimeFigureOut">
               <a:rPr lang="en-US" smtClean="0"/>
-              <a:t>8/6/2024</a:t>
+              <a:t>8/12/2024</a:t>
             </a:fld>
             <a:endParaRPr lang="en-US"/>
           </a:p>
@@ -1398,7 +1404,7 @@
           <a:p>
             <a:fld id="{F42A13DD-5EE1-4DE7-897F-0E10F30D883D}" type="datetimeFigureOut">
               <a:rPr lang="en-US" smtClean="0"/>
-              <a:t>8/6/2024</a:t>
+              <a:t>8/12/2024</a:t>
             </a:fld>
             <a:endParaRPr lang="en-US"/>
           </a:p>
@@ -1810,7 +1816,7 @@
           <a:p>
             <a:fld id="{F42A13DD-5EE1-4DE7-897F-0E10F30D883D}" type="datetimeFigureOut">
               <a:rPr lang="en-US" smtClean="0"/>
-              <a:t>8/6/2024</a:t>
+              <a:t>8/12/2024</a:t>
             </a:fld>
             <a:endParaRPr lang="en-US"/>
           </a:p>
@@ -1951,7 +1957,7 @@
           <a:p>
             <a:fld id="{F42A13DD-5EE1-4DE7-897F-0E10F30D883D}" type="datetimeFigureOut">
               <a:rPr lang="en-US" smtClean="0"/>
-              <a:t>8/6/2024</a:t>
+              <a:t>8/12/2024</a:t>
             </a:fld>
             <a:endParaRPr lang="en-US"/>
           </a:p>
@@ -2064,7 +2070,7 @@
           <a:p>
             <a:fld id="{F42A13DD-5EE1-4DE7-897F-0E10F30D883D}" type="datetimeFigureOut">
               <a:rPr lang="en-US" smtClean="0"/>
-              <a:t>8/6/2024</a:t>
+              <a:t>8/12/2024</a:t>
             </a:fld>
             <a:endParaRPr lang="en-US"/>
           </a:p>
@@ -2375,7 +2381,7 @@
           <a:p>
             <a:fld id="{F42A13DD-5EE1-4DE7-897F-0E10F30D883D}" type="datetimeFigureOut">
               <a:rPr lang="en-US" smtClean="0"/>
-              <a:t>8/6/2024</a:t>
+              <a:t>8/12/2024</a:t>
             </a:fld>
             <a:endParaRPr lang="en-US"/>
           </a:p>
@@ -2663,7 +2669,7 @@
           <a:p>
             <a:fld id="{F42A13DD-5EE1-4DE7-897F-0E10F30D883D}" type="datetimeFigureOut">
               <a:rPr lang="en-US" smtClean="0"/>
-              <a:t>8/6/2024</a:t>
+              <a:t>8/12/2024</a:t>
             </a:fld>
             <a:endParaRPr lang="en-US"/>
           </a:p>
@@ -2904,7 +2910,7 @@
           <a:p>
             <a:fld id="{F42A13DD-5EE1-4DE7-897F-0E10F30D883D}" type="datetimeFigureOut">
               <a:rPr lang="en-US" smtClean="0"/>
-              <a:t>8/6/2024</a:t>
+              <a:t>8/12/2024</a:t>
             </a:fld>
             <a:endParaRPr lang="en-US"/>
           </a:p>
@@ -3522,6 +3528,206 @@
 </p:sld>
 </file>
 
+<file path=ppt/slides/slide2.xml><?xml version="1.0" encoding="utf-8"?>
+<p:sld xmlns:a="http://schemas.openxmlformats.org/drawingml/2006/main" xmlns:r="http://schemas.openxmlformats.org/officeDocument/2006/relationships" xmlns:p="http://schemas.openxmlformats.org/presentationml/2006/main">
+  <p:cSld>
+    <p:spTree>
+      <p:nvGrpSpPr>
+        <p:cNvPr id="1" name=""/>
+        <p:cNvGrpSpPr/>
+        <p:nvPr/>
+      </p:nvGrpSpPr>
+      <p:grpSpPr>
+        <a:xfrm>
+          <a:off x="0" y="0"/>
+          <a:ext cx="0" cy="0"/>
+          <a:chOff x="0" y="0"/>
+          <a:chExt cx="0" cy="0"/>
+        </a:xfrm>
+      </p:grpSpPr>
+      <p:pic>
+        <p:nvPicPr>
+          <p:cNvPr id="5" name="Picture 4" descr="A blue circle with white letters and a letter&#10;&#10;Description automatically generated">
+            <a:extLst>
+              <a:ext uri="{FF2B5EF4-FFF2-40B4-BE49-F238E27FC236}">
+                <a16:creationId xmlns:a16="http://schemas.microsoft.com/office/drawing/2014/main" id="{1630CAC0-15E2-3DA4-527A-FF935D1DC2D8}"/>
+              </a:ext>
+            </a:extLst>
+          </p:cNvPr>
+          <p:cNvPicPr>
+            <a:picLocks noChangeAspect="1"/>
+          </p:cNvPicPr>
+          <p:nvPr/>
+        </p:nvPicPr>
+        <p:blipFill>
+          <a:blip r:embed="rId2">
+            <a:extLst>
+              <a:ext uri="{BEBA8EAE-BF5A-486C-A8C5-ECC9F3942E4B}">
+                <a14:imgProps xmlns:a14="http://schemas.microsoft.com/office/drawing/2010/main">
+                  <a14:imgLayer r:embed="rId3">
+                    <a14:imgEffect>
+                      <a14:backgroundRemoval t="2600" b="97600" l="1600" r="96200">
+                        <a14:foregroundMark x1="22000" y1="42600" x2="22000" y2="42600"/>
+                        <a14:foregroundMark x1="33400" y1="25600" x2="17800" y2="34000"/>
+                        <a14:foregroundMark x1="17800" y1="34000" x2="35200" y2="21800"/>
+                        <a14:foregroundMark x1="35200" y1="21800" x2="16400" y2="38000"/>
+                        <a14:foregroundMark x1="16400" y1="38000" x2="15400" y2="41200"/>
+                        <a14:foregroundMark x1="38600" y1="3800" x2="17600" y2="18800"/>
+                        <a14:foregroundMark x1="17600" y1="18800" x2="16000" y2="65800"/>
+                        <a14:foregroundMark x1="16000" y1="65800" x2="30600" y2="95800"/>
+                        <a14:foregroundMark x1="30600" y1="95800" x2="41200" y2="96200"/>
+                        <a14:foregroundMark x1="41200" y1="96200" x2="54000" y2="91800"/>
+                        <a14:foregroundMark x1="54000" y1="91800" x2="82800" y2="67800"/>
+                        <a14:foregroundMark x1="82800" y1="67800" x2="87200" y2="59200"/>
+                        <a14:foregroundMark x1="20400" y1="22600" x2="9000" y2="27000"/>
+                        <a14:foregroundMark x1="9000" y1="27000" x2="7400" y2="50600"/>
+                        <a14:foregroundMark x1="7400" y1="50600" x2="21000" y2="79600"/>
+                        <a14:foregroundMark x1="21000" y1="79600" x2="29200" y2="87400"/>
+                        <a14:foregroundMark x1="29200" y1="87400" x2="57600" y2="92800"/>
+                        <a14:foregroundMark x1="57600" y1="92800" x2="72600" y2="93200"/>
+                        <a14:foregroundMark x1="81668" y1="87207" x2="82198" y2="86856"/>
+                        <a14:foregroundMark x1="72600" y1="93200" x2="79358" y2="88733"/>
+                        <a14:foregroundMark x1="84855" y1="82991" x2="89800" y2="56800"/>
+                        <a14:foregroundMark x1="89800" y1="56800" x2="88600" y2="43800"/>
+                        <a14:foregroundMark x1="88600" y1="43800" x2="81600" y2="27400"/>
+                        <a14:foregroundMark x1="81600" y1="27400" x2="68800" y2="15400"/>
+                        <a14:foregroundMark x1="68800" y1="15400" x2="22400" y2="18600"/>
+                        <a14:foregroundMark x1="22400" y1="18600" x2="19800" y2="20800"/>
+                        <a14:foregroundMark x1="42400" y1="19200" x2="19400" y2="73800"/>
+                        <a14:foregroundMark x1="19400" y1="73800" x2="41400" y2="85400"/>
+                        <a14:foregroundMark x1="41400" y1="85400" x2="74200" y2="82400"/>
+                        <a14:foregroundMark x1="74200" y1="82400" x2="96200" y2="56200"/>
+                        <a14:foregroundMark x1="96200" y1="56200" x2="90000" y2="39600"/>
+                        <a14:foregroundMark x1="90000" y1="39600" x2="76400" y2="29000"/>
+                        <a14:foregroundMark x1="76400" y1="29000" x2="43800" y2="16200"/>
+                        <a14:foregroundMark x1="43800" y1="16200" x2="39400" y2="16600"/>
+                        <a14:foregroundMark x1="59000" y1="29800" x2="36200" y2="28800"/>
+                        <a14:foregroundMark x1="36200" y1="28800" x2="20800" y2="47400"/>
+                        <a14:foregroundMark x1="20800" y1="47400" x2="31800" y2="74800"/>
+                        <a14:foregroundMark x1="31800" y1="74800" x2="69000" y2="67200"/>
+                        <a14:foregroundMark x1="69000" y1="67200" x2="70200" y2="37200"/>
+                        <a14:foregroundMark x1="70200" y1="37200" x2="54600" y2="28800"/>
+                        <a14:foregroundMark x1="49000" y1="27800" x2="30600" y2="32400"/>
+                        <a14:foregroundMark x1="30600" y1="32400" x2="26600" y2="57200"/>
+                        <a14:foregroundMark x1="26600" y1="57200" x2="57400" y2="73200"/>
+                        <a14:foregroundMark x1="57400" y1="73200" x2="65400" y2="43400"/>
+                        <a14:foregroundMark x1="65400" y1="43400" x2="47400" y2="25200"/>
+                        <a14:foregroundMark x1="47400" y1="25200" x2="43600" y2="23800"/>
+                        <a14:foregroundMark x1="50000" y1="27000" x2="27000" y2="37400"/>
+                        <a14:foregroundMark x1="27000" y1="37400" x2="29200" y2="71600"/>
+                        <a14:foregroundMark x1="29200" y1="71600" x2="59400" y2="67000"/>
+                        <a14:foregroundMark x1="59400" y1="67000" x2="52200" y2="34400"/>
+                        <a14:foregroundMark x1="52200" y1="34400" x2="46400" y2="29200"/>
+                        <a14:foregroundMark x1="50000" y1="31000" x2="30800" y2="32800"/>
+                        <a14:foregroundMark x1="30800" y1="32800" x2="29400" y2="56400"/>
+                        <a14:foregroundMark x1="29400" y1="56400" x2="53400" y2="51800"/>
+                        <a14:foregroundMark x1="53400" y1="51800" x2="48400" y2="29200"/>
+                        <a14:foregroundMark x1="48400" y1="29200" x2="42400" y2="26600"/>
+                        <a14:foregroundMark x1="84200" y1="31400" x2="78600" y2="50400"/>
+                        <a14:foregroundMark x1="78600" y1="50400" x2="83600" y2="64200"/>
+                        <a14:foregroundMark x1="83600" y1="64200" x2="92800" y2="37000"/>
+                        <a14:foregroundMark x1="92800" y1="37000" x2="83400" y2="31600"/>
+                        <a14:foregroundMark x1="83400" y1="31600" x2="79800" y2="34600"/>
+                        <a14:foregroundMark x1="83800" y1="16600" x2="58600" y2="5600"/>
+                        <a14:foregroundMark x1="58600" y1="5600" x2="49800" y2="13400"/>
+                        <a14:foregroundMark x1="49800" y1="13400" x2="65000" y2="27800"/>
+                        <a14:foregroundMark x1="65000" y1="27800" x2="83200" y2="31800"/>
+                        <a14:foregroundMark x1="83200" y1="31800" x2="82200" y2="13600"/>
+                        <a14:foregroundMark x1="82200" y1="13600" x2="78400" y2="11200"/>
+                        <a14:foregroundMark x1="43600" y1="27600" x2="29000" y2="35000"/>
+                        <a14:foregroundMark x1="29000" y1="35000" x2="22400" y2="59200"/>
+                        <a14:foregroundMark x1="22400" y1="59200" x2="39400" y2="78200"/>
+                        <a14:foregroundMark x1="39400" y1="78200" x2="61200" y2="89800"/>
+                        <a14:foregroundMark x1="61200" y1="89800" x2="75800" y2="89400"/>
+                        <a14:foregroundMark x1="75800" y1="89400" x2="75000" y2="64200"/>
+                        <a14:foregroundMark x1="75000" y1="64200" x2="51000" y2="37600"/>
+                        <a14:foregroundMark x1="50000" y1="27600" x2="28000" y2="33800"/>
+                        <a14:foregroundMark x1="28000" y1="33800" x2="19600" y2="61000"/>
+                        <a14:foregroundMark x1="19600" y1="61000" x2="58000" y2="84400"/>
+                        <a14:foregroundMark x1="58000" y1="84400" x2="74000" y2="79200"/>
+                        <a14:foregroundMark x1="74000" y1="79200" x2="63200" y2="44000"/>
+                        <a14:foregroundMark x1="63200" y1="44000" x2="47000" y2="28800"/>
+                        <a14:foregroundMark x1="6000" y1="28000" x2="4400" y2="63000"/>
+                        <a14:foregroundMark x1="4400" y1="63000" x2="24200" y2="85200"/>
+                        <a14:foregroundMark x1="24200" y1="85200" x2="51000" y2="93000"/>
+                        <a14:foregroundMark x1="51000" y1="93000" x2="71600" y2="87200"/>
+                        <a14:foregroundMark x1="71600" y1="87200" x2="76600" y2="70200"/>
+                        <a14:foregroundMark x1="76600" y1="70200" x2="59400" y2="40200"/>
+                        <a14:foregroundMark x1="59400" y1="40200" x2="26400" y2="26000"/>
+                        <a14:foregroundMark x1="26400" y1="26000" x2="10800" y2="25600"/>
+                        <a14:foregroundMark x1="10800" y1="25600" x2="5800" y2="28600"/>
+                        <a14:foregroundMark x1="4800" y1="34800" x2="175" y2="45400"/>
+                        <a14:foregroundMark x1="22" y1="46000" x2="1600" y2="60400"/>
+                        <a14:foregroundMark x1="1600" y1="60400" x2="3000" y2="63400"/>
+                        <a14:foregroundMark x1="50200" y1="33600" x2="38000" y2="39600"/>
+                        <a14:foregroundMark x1="38000" y1="39600" x2="50200" y2="39400"/>
+                        <a14:foregroundMark x1="50200" y1="39400" x2="50400" y2="39400"/>
+                        <a14:foregroundMark x1="50200" y1="40000" x2="31800" y2="48600"/>
+                        <a14:foregroundMark x1="68600" y1="61800" x2="58400" y2="82000"/>
+                        <a14:foregroundMark x1="55800" y1="2800" x2="46800" y2="2600"/>
+                        <a14:foregroundMark x1="60400" y1="97200" x2="46000" y2="97600"/>
+                        <a14:foregroundMark x1="59000" y1="43400" x2="45200" y2="55200"/>
+                        <a14:foregroundMark x1="45200" y1="55200" x2="57200" y2="71400"/>
+                        <a14:foregroundMark x1="57200" y1="71400" x2="57200" y2="55800"/>
+                        <a14:foregroundMark x1="57200" y1="55800" x2="57200" y2="55800"/>
+                        <a14:backgroundMark x1="6600" y1="9800" x2="6600" y2="9800"/>
+                        <a14:backgroundMark x1="10400" y1="4200" x2="1400" y2="9600"/>
+                        <a14:backgroundMark x1="1400" y1="9600" x2="16400" y2="8200"/>
+                        <a14:backgroundMark x1="16400" y1="8200" x2="16400" y2="7800"/>
+                        <a14:backgroundMark x1="10000" y1="12200" x2="25400" y2="5000"/>
+                        <a14:backgroundMark x1="25400" y1="5000" x2="12000" y2="600"/>
+                        <a14:backgroundMark x1="12000" y1="600" x2="3200" y2="17800"/>
+                        <a14:backgroundMark x1="3200" y1="17800" x2="10200" y2="16200"/>
+                        <a14:backgroundMark x1="1600" y1="77400" x2="17200" y2="96400"/>
+                        <a14:backgroundMark x1="17200" y1="96400" x2="1400" y2="98600"/>
+                        <a14:backgroundMark x1="1400" y1="98600" x2="1400" y2="98600"/>
+                        <a14:backgroundMark x1="3200" y1="74600" x2="2000" y2="91800"/>
+                        <a14:backgroundMark x1="2000" y1="91800" x2="14200" y2="98600"/>
+                        <a14:backgroundMark x1="14200" y1="98600" x2="12800" y2="88200"/>
+                        <a14:backgroundMark x1="12800" y1="88200" x2="11400" y2="86800"/>
+                        <a14:backgroundMark x1="93400" y1="81400" x2="84400" y2="88800"/>
+                        <a14:backgroundMark x1="84400" y1="88800" x2="78200" y2="98200"/>
+                        <a14:backgroundMark x1="78200" y1="98200" x2="90400" y2="95200"/>
+                        <a14:backgroundMark x1="90400" y1="95200" x2="99200" y2="88800"/>
+                        <a14:backgroundMark x1="0" y1="45400" x2="0" y2="46000"/>
+                        <a14:backgroundMark x1="0" y1="54600" x2="0" y2="54000"/>
+                      </a14:backgroundRemoval>
+                    </a14:imgEffect>
+                  </a14:imgLayer>
+                </a14:imgProps>
+              </a:ext>
+              <a:ext uri="{28A0092B-C50C-407E-A947-70E740481C1C}">
+                <a14:useLocalDpi xmlns:a14="http://schemas.microsoft.com/office/drawing/2010/main" val="0"/>
+              </a:ext>
+            </a:extLst>
+          </a:blip>
+          <a:stretch>
+            <a:fillRect/>
+          </a:stretch>
+        </p:blipFill>
+        <p:spPr>
+          <a:xfrm>
+            <a:off x="2951649" y="1157104"/>
+            <a:ext cx="4761905" cy="4761905"/>
+          </a:xfrm>
+          <a:prstGeom prst="rect">
+            <a:avLst/>
+          </a:prstGeom>
+        </p:spPr>
+      </p:pic>
+    </p:spTree>
+    <p:extLst>
+      <p:ext uri="{BB962C8B-B14F-4D97-AF65-F5344CB8AC3E}">
+        <p14:creationId xmlns:p14="http://schemas.microsoft.com/office/powerpoint/2010/main" val="2764686430"/>
+      </p:ext>
+    </p:extLst>
+  </p:cSld>
+  <p:clrMapOvr>
+    <a:masterClrMapping/>
+  </p:clrMapOvr>
+</p:sld>
+</file>
+
 <file path=ppt/theme/theme1.xml><?xml version="1.0" encoding="utf-8"?>
 <a:theme xmlns:a="http://schemas.openxmlformats.org/drawingml/2006/main" name="Office Theme">
   <a:themeElements>
